--- a/Documents/Analog_Processor_V2_Analysis.pptx
+++ b/Documents/Analog_Processor_V2_Analysis.pptx
@@ -8,17 +8,18 @@
     <p:sldId id="268" r:id="rId2"/>
     <p:sldId id="265" r:id="rId3"/>
     <p:sldId id="269" r:id="rId4"/>
-    <p:sldId id="270" r:id="rId5"/>
-    <p:sldId id="271" r:id="rId6"/>
-    <p:sldId id="272" r:id="rId7"/>
-    <p:sldId id="273" r:id="rId8"/>
-    <p:sldId id="274" r:id="rId9"/>
-    <p:sldId id="275" r:id="rId10"/>
-    <p:sldId id="276" r:id="rId11"/>
-    <p:sldId id="277" r:id="rId12"/>
-    <p:sldId id="278" r:id="rId13"/>
-    <p:sldId id="279" r:id="rId14"/>
-    <p:sldId id="280" r:id="rId15"/>
+    <p:sldId id="282" r:id="rId5"/>
+    <p:sldId id="270" r:id="rId6"/>
+    <p:sldId id="271" r:id="rId7"/>
+    <p:sldId id="272" r:id="rId8"/>
+    <p:sldId id="273" r:id="rId9"/>
+    <p:sldId id="274" r:id="rId10"/>
+    <p:sldId id="275" r:id="rId11"/>
+    <p:sldId id="276" r:id="rId12"/>
+    <p:sldId id="277" r:id="rId13"/>
+    <p:sldId id="278" r:id="rId14"/>
+    <p:sldId id="279" r:id="rId15"/>
+    <p:sldId id="280" r:id="rId16"/>
   </p:sldIdLst>
   <p:sldSz cx="12192000" cy="6858000"/>
   <p:notesSz cx="6858000" cy="9144000"/>
@@ -3511,6 +3512,222 @@
           <p:cNvPr id="3" name="Picture 2">
             <a:extLst>
               <a:ext uri="{FF2B5EF4-FFF2-40B4-BE49-F238E27FC236}">
+                <a16:creationId xmlns:a16="http://schemas.microsoft.com/office/drawing/2014/main" id="{3725CCF0-C572-4A6C-A484-9E64374F36C9}"/>
+              </a:ext>
+            </a:extLst>
+          </p:cNvPr>
+          <p:cNvPicPr>
+            <a:picLocks noChangeAspect="1"/>
+          </p:cNvPicPr>
+          <p:nvPr/>
+        </p:nvPicPr>
+        <p:blipFill rotWithShape="1">
+          <a:blip r:embed="rId4"/>
+          <a:srcRect l="24074" t="11667" r="24074" b="5741"/>
+          <a:stretch/>
+        </p:blipFill>
+        <p:spPr>
+          <a:xfrm>
+            <a:off x="5513907" y="96556"/>
+            <a:ext cx="5230293" cy="6664887"/>
+          </a:xfrm>
+          <a:prstGeom prst="rect">
+            <a:avLst/>
+          </a:prstGeom>
+        </p:spPr>
+      </p:pic>
+      <p:pic>
+        <p:nvPicPr>
+          <p:cNvPr id="4" name="Welcome">
+            <a:hlinkClick r:id="" action="ppaction://media"/>
+            <a:extLst>
+              <a:ext uri="{FF2B5EF4-FFF2-40B4-BE49-F238E27FC236}">
+                <a16:creationId xmlns:a16="http://schemas.microsoft.com/office/drawing/2014/main" id="{BC552389-F410-4D89-87C3-4A87091BDA58}"/>
+              </a:ext>
+            </a:extLst>
+          </p:cNvPr>
+          <p:cNvPicPr>
+            <a:picLocks noChangeAspect="1"/>
+          </p:cNvPicPr>
+          <p:nvPr>
+            <a:audioFile r:link="rId2"/>
+            <p:extLst>
+              <p:ext uri="{DAA4B4D4-6D71-4841-9C94-3DE7FCFB9230}">
+                <p14:media xmlns:p14="http://schemas.microsoft.com/office/powerpoint/2010/main" r:embed="rId1"/>
+              </p:ext>
+            </p:extLst>
+          </p:nvPr>
+        </p:nvPicPr>
+        <p:blipFill>
+          <a:blip r:embed="rId5"/>
+          <a:stretch>
+            <a:fillRect/>
+          </a:stretch>
+        </p:blipFill>
+        <p:spPr>
+          <a:xfrm>
+            <a:off x="1892300" y="3124199"/>
+            <a:ext cx="609600" cy="609600"/>
+          </a:xfrm>
+          <a:prstGeom prst="rect">
+            <a:avLst/>
+          </a:prstGeom>
+        </p:spPr>
+      </p:pic>
+      <p:sp>
+        <p:nvSpPr>
+          <p:cNvPr id="5" name="TextBox 4">
+            <a:extLst>
+              <a:ext uri="{FF2B5EF4-FFF2-40B4-BE49-F238E27FC236}">
+                <a16:creationId xmlns:a16="http://schemas.microsoft.com/office/drawing/2014/main" id="{25FBE8D3-D3D0-40F4-BAA4-6450EEFEF2CD}"/>
+              </a:ext>
+            </a:extLst>
+          </p:cNvPr>
+          <p:cNvSpPr txBox="1"/>
+          <p:nvPr/>
+        </p:nvSpPr>
+        <p:spPr>
+          <a:xfrm>
+            <a:off x="1234624" y="2489200"/>
+            <a:ext cx="1924951" cy="461665"/>
+          </a:xfrm>
+          <a:prstGeom prst="rect">
+            <a:avLst/>
+          </a:prstGeom>
+          <a:noFill/>
+        </p:spPr>
+        <p:txBody>
+          <a:bodyPr wrap="none" rtlCol="0">
+            <a:spAutoFit/>
+          </a:bodyPr>
+          <a:lstStyle/>
+          <a:p>
+            <a:r>
+              <a:rPr lang="en-US" sz="2400" dirty="0"/>
+              <a:t>Welcome.wav</a:t>
+            </a:r>
+          </a:p>
+        </p:txBody>
+      </p:sp>
+    </p:spTree>
+    <p:extLst>
+      <p:ext uri="{BB962C8B-B14F-4D97-AF65-F5344CB8AC3E}">
+        <p14:creationId xmlns:p14="http://schemas.microsoft.com/office/powerpoint/2010/main" val="2760658580"/>
+      </p:ext>
+    </p:extLst>
+  </p:cSld>
+  <p:clrMapOvr>
+    <a:masterClrMapping/>
+  </p:clrMapOvr>
+  <p:timing>
+    <p:tnLst>
+      <p:par>
+        <p:cTn id="1" dur="indefinite" restart="never" nodeType="tmRoot">
+          <p:childTnLst>
+            <p:seq concurrent="1" nextAc="seek">
+              <p:cTn id="2" dur="indefinite" nodeType="mainSeq">
+                <p:childTnLst>
+                  <p:par>
+                    <p:cTn id="3" fill="hold">
+                      <p:stCondLst>
+                        <p:cond delay="indefinite"/>
+                      </p:stCondLst>
+                      <p:childTnLst>
+                        <p:par>
+                          <p:cTn id="4" fill="hold">
+                            <p:stCondLst>
+                              <p:cond delay="0"/>
+                            </p:stCondLst>
+                            <p:childTnLst>
+                              <p:par>
+                                <p:cTn id="5" presetID="1" presetClass="mediacall" presetSubtype="0" fill="hold" nodeType="clickEffect">
+                                  <p:stCondLst>
+                                    <p:cond delay="0"/>
+                                  </p:stCondLst>
+                                  <p:childTnLst>
+                                    <p:cmd type="call" cmd="playFrom(0.0)">
+                                      <p:cBhvr>
+                                        <p:cTn id="6" dur="5952" fill="hold"/>
+                                        <p:tgtEl>
+                                          <p:spTgt spid="4"/>
+                                        </p:tgtEl>
+                                      </p:cBhvr>
+                                    </p:cmd>
+                                  </p:childTnLst>
+                                </p:cTn>
+                              </p:par>
+                            </p:childTnLst>
+                          </p:cTn>
+                        </p:par>
+                      </p:childTnLst>
+                    </p:cTn>
+                  </p:par>
+                </p:childTnLst>
+              </p:cTn>
+              <p:prevCondLst>
+                <p:cond evt="onPrev" delay="0">
+                  <p:tgtEl>
+                    <p:sldTgt/>
+                  </p:tgtEl>
+                </p:cond>
+              </p:prevCondLst>
+              <p:nextCondLst>
+                <p:cond evt="onNext" delay="0">
+                  <p:tgtEl>
+                    <p:sldTgt/>
+                  </p:tgtEl>
+                </p:cond>
+              </p:nextCondLst>
+            </p:seq>
+            <p:audio>
+              <p:cMediaNode vol="80000">
+                <p:cTn id="7" fill="hold" display="0">
+                  <p:stCondLst>
+                    <p:cond delay="indefinite"/>
+                  </p:stCondLst>
+                  <p:endCondLst>
+                    <p:cond evt="onStopAudio" delay="0">
+                      <p:tgtEl>
+                        <p:sldTgt/>
+                      </p:tgtEl>
+                    </p:cond>
+                  </p:endCondLst>
+                </p:cTn>
+                <p:tgtEl>
+                  <p:spTgt spid="4"/>
+                </p:tgtEl>
+              </p:cMediaNode>
+            </p:audio>
+          </p:childTnLst>
+        </p:cTn>
+      </p:par>
+    </p:tnLst>
+  </p:timing>
+</p:sld>
+</file>
+
+<file path=ppt/slides/slide11.xml><?xml version="1.0" encoding="utf-8"?>
+<p:sld xmlns:a="http://schemas.openxmlformats.org/drawingml/2006/main" xmlns:r="http://schemas.openxmlformats.org/officeDocument/2006/relationships" xmlns:p="http://schemas.openxmlformats.org/presentationml/2006/main">
+  <p:cSld>
+    <p:spTree>
+      <p:nvGrpSpPr>
+        <p:cNvPr id="1" name=""/>
+        <p:cNvGrpSpPr/>
+        <p:nvPr/>
+      </p:nvGrpSpPr>
+      <p:grpSpPr>
+        <a:xfrm>
+          <a:off x="0" y="0"/>
+          <a:ext cx="0" cy="0"/>
+          <a:chOff x="0" y="0"/>
+          <a:chExt cx="0" cy="0"/>
+        </a:xfrm>
+      </p:grpSpPr>
+      <p:pic>
+        <p:nvPicPr>
+          <p:cNvPr id="3" name="Picture 2">
+            <a:extLst>
+              <a:ext uri="{FF2B5EF4-FFF2-40B4-BE49-F238E27FC236}">
                 <a16:creationId xmlns:a16="http://schemas.microsoft.com/office/drawing/2014/main" id="{4D261D84-AD47-4D43-8124-323CE20CD3B9}"/>
               </a:ext>
             </a:extLst>
@@ -3705,7 +3922,7 @@
 </p:sld>
 </file>
 
-<file path=ppt/slides/slide11.xml><?xml version="1.0" encoding="utf-8"?>
+<file path=ppt/slides/slide12.xml><?xml version="1.0" encoding="utf-8"?>
 <p:sld xmlns:a="http://schemas.openxmlformats.org/drawingml/2006/main" xmlns:r="http://schemas.openxmlformats.org/officeDocument/2006/relationships" xmlns:p="http://schemas.openxmlformats.org/presentationml/2006/main">
   <p:cSld>
     <p:spTree>
@@ -3928,7 +4145,7 @@
 </p:sld>
 </file>
 
-<file path=ppt/slides/slide12.xml><?xml version="1.0" encoding="utf-8"?>
+<file path=ppt/slides/slide13.xml><?xml version="1.0" encoding="utf-8"?>
 <p:sld xmlns:a="http://schemas.openxmlformats.org/drawingml/2006/main" xmlns:r="http://schemas.openxmlformats.org/officeDocument/2006/relationships" xmlns:p="http://schemas.openxmlformats.org/presentationml/2006/main">
   <p:cSld>
     <p:spTree>
@@ -4151,7 +4368,7 @@
 </p:sld>
 </file>
 
-<file path=ppt/slides/slide13.xml><?xml version="1.0" encoding="utf-8"?>
+<file path=ppt/slides/slide14.xml><?xml version="1.0" encoding="utf-8"?>
 <p:sld xmlns:a="http://schemas.openxmlformats.org/drawingml/2006/main" xmlns:r="http://schemas.openxmlformats.org/officeDocument/2006/relationships" xmlns:p="http://schemas.openxmlformats.org/presentationml/2006/main">
   <p:cSld>
     <p:bg>
@@ -4382,7 +4599,7 @@
 </p:sld>
 </file>
 
-<file path=ppt/slides/slide14.xml><?xml version="1.0" encoding="utf-8"?>
+<file path=ppt/slides/slide15.xml><?xml version="1.0" encoding="utf-8"?>
 <p:sld xmlns:a="http://schemas.openxmlformats.org/drawingml/2006/main" xmlns:r="http://schemas.openxmlformats.org/officeDocument/2006/relationships" xmlns:p="http://schemas.openxmlformats.org/presentationml/2006/main">
   <p:cSld>
     <p:spTree>
@@ -5841,10 +6058,10 @@
       </p:grpSpPr>
       <p:pic>
         <p:nvPicPr>
-          <p:cNvPr id="3" name="Picture 2">
-            <a:extLst>
-              <a:ext uri="{FF2B5EF4-FFF2-40B4-BE49-F238E27FC236}">
-                <a16:creationId xmlns:a16="http://schemas.microsoft.com/office/drawing/2014/main" id="{857CF5EF-E4BA-4188-9D5B-E8C73C81A7BC}"/>
+          <p:cNvPr id="4" name="Picture 3">
+            <a:extLst>
+              <a:ext uri="{FF2B5EF4-FFF2-40B4-BE49-F238E27FC236}">
+                <a16:creationId xmlns:a16="http://schemas.microsoft.com/office/drawing/2014/main" id="{6027931A-CE55-49EF-8A8D-A4EEE133EF12}"/>
               </a:ext>
             </a:extLst>
           </p:cNvPr>
@@ -5855,13 +6072,13 @@
         </p:nvPicPr>
         <p:blipFill rotWithShape="1">
           <a:blip r:embed="rId2"/>
-          <a:srcRect l="24497" t="10741" r="24869" b="5000"/>
+          <a:srcRect l="24517" t="11481" r="24223" b="5926"/>
           <a:stretch/>
         </p:blipFill>
         <p:spPr>
           <a:xfrm>
-            <a:off x="5634474" y="0"/>
-            <a:ext cx="5135126" cy="6872007"/>
+            <a:off x="5054600" y="0"/>
+            <a:ext cx="5270500" cy="6793766"/>
           </a:xfrm>
           <a:prstGeom prst="rect">
             <a:avLst/>
@@ -5870,10 +6087,10 @@
       </p:pic>
       <p:sp>
         <p:nvSpPr>
-          <p:cNvPr id="4" name="TextBox 3">
-            <a:extLst>
-              <a:ext uri="{FF2B5EF4-FFF2-40B4-BE49-F238E27FC236}">
-                <a16:creationId xmlns:a16="http://schemas.microsoft.com/office/drawing/2014/main" id="{7CF1835F-F8A2-4642-BBA1-5E4B9891861C}"/>
+          <p:cNvPr id="5" name="TextBox 4">
+            <a:extLst>
+              <a:ext uri="{FF2B5EF4-FFF2-40B4-BE49-F238E27FC236}">
+                <a16:creationId xmlns:a16="http://schemas.microsoft.com/office/drawing/2014/main" id="{85538002-4885-4DD7-A565-12D2F93EF515}"/>
               </a:ext>
             </a:extLst>
           </p:cNvPr>
@@ -5882,8 +6099,8 @@
         </p:nvSpPr>
         <p:spPr>
           <a:xfrm>
-            <a:off x="1651000" y="2400300"/>
-            <a:ext cx="2475678" cy="830997"/>
+            <a:off x="990600" y="2445603"/>
+            <a:ext cx="2756076" cy="830997"/>
           </a:xfrm>
           <a:prstGeom prst="rect">
             <a:avLst/>
@@ -5898,21 +6115,177 @@
           <a:p>
             <a:r>
               <a:rPr lang="en-US" sz="2400" dirty="0"/>
-              <a:t>Carrier = 300 Hz</a:t>
+              <a:t>Envelope Filter</a:t>
             </a:r>
           </a:p>
           <a:p>
             <a:r>
               <a:rPr lang="en-US" sz="2400" dirty="0"/>
-              <a:t>Modulation = 2 Hz</a:t>
-            </a:r>
-          </a:p>
-        </p:txBody>
-      </p:sp>
+              <a:t>Frequency Response</a:t>
+            </a:r>
+          </a:p>
+        </p:txBody>
+      </p:sp>
+      <p:sp>
+        <p:nvSpPr>
+          <p:cNvPr id="6" name="TextBox 5">
+            <a:extLst>
+              <a:ext uri="{FF2B5EF4-FFF2-40B4-BE49-F238E27FC236}">
+                <a16:creationId xmlns:a16="http://schemas.microsoft.com/office/drawing/2014/main" id="{61100E2D-B424-4B8E-AC4C-412859AEE2F2}"/>
+              </a:ext>
+            </a:extLst>
+          </p:cNvPr>
+          <p:cNvSpPr txBox="1"/>
+          <p:nvPr/>
+        </p:nvSpPr>
+        <p:spPr>
+          <a:xfrm>
+            <a:off x="8215021" y="464066"/>
+            <a:ext cx="1165897" cy="369332"/>
+          </a:xfrm>
+          <a:prstGeom prst="rect">
+            <a:avLst/>
+          </a:prstGeom>
+          <a:noFill/>
+        </p:spPr>
+        <p:txBody>
+          <a:bodyPr wrap="none" rtlCol="0">
+            <a:spAutoFit/>
+          </a:bodyPr>
+          <a:lstStyle/>
+          <a:p>
+            <a:r>
+              <a:rPr lang="en-US" dirty="0"/>
+              <a:t>Frequency</a:t>
+            </a:r>
+          </a:p>
+        </p:txBody>
+      </p:sp>
+      <p:sp>
+        <p:nvSpPr>
+          <p:cNvPr id="7" name="TextBox 6">
+            <a:extLst>
+              <a:ext uri="{FF2B5EF4-FFF2-40B4-BE49-F238E27FC236}">
+                <a16:creationId xmlns:a16="http://schemas.microsoft.com/office/drawing/2014/main" id="{1467014E-0416-4D5D-AC93-2934DFA82BDD}"/>
+              </a:ext>
+            </a:extLst>
+          </p:cNvPr>
+          <p:cNvSpPr txBox="1"/>
+          <p:nvPr/>
+        </p:nvSpPr>
+        <p:spPr>
+          <a:xfrm>
+            <a:off x="6737462" y="3212069"/>
+            <a:ext cx="740908" cy="369332"/>
+          </a:xfrm>
+          <a:prstGeom prst="rect">
+            <a:avLst/>
+          </a:prstGeom>
+          <a:noFill/>
+        </p:spPr>
+        <p:txBody>
+          <a:bodyPr wrap="none" rtlCol="0">
+            <a:spAutoFit/>
+          </a:bodyPr>
+          <a:lstStyle/>
+          <a:p>
+            <a:r>
+              <a:rPr lang="en-US" dirty="0"/>
+              <a:t>Phase</a:t>
+            </a:r>
+          </a:p>
+        </p:txBody>
+      </p:sp>
+      <p:cxnSp>
+        <p:nvCxnSpPr>
+          <p:cNvPr id="8" name="Straight Arrow Connector 7">
+            <a:extLst>
+              <a:ext uri="{FF2B5EF4-FFF2-40B4-BE49-F238E27FC236}">
+                <a16:creationId xmlns:a16="http://schemas.microsoft.com/office/drawing/2014/main" id="{DE144757-2013-4713-BE35-31ECC21FD4E5}"/>
+              </a:ext>
+            </a:extLst>
+          </p:cNvPr>
+          <p:cNvCxnSpPr/>
+          <p:nvPr/>
+        </p:nvCxnSpPr>
+        <p:spPr>
+          <a:xfrm flipH="1">
+            <a:off x="8418221" y="833398"/>
+            <a:ext cx="379748" cy="545068"/>
+          </a:xfrm>
+          <a:prstGeom prst="straightConnector1">
+            <a:avLst/>
+          </a:prstGeom>
+          <a:ln w="19050">
+            <a:solidFill>
+              <a:schemeClr val="tx1"/>
+            </a:solidFill>
+            <a:tailEnd type="triangle"/>
+          </a:ln>
+        </p:spPr>
+        <p:style>
+          <a:lnRef idx="1">
+            <a:schemeClr val="accent1"/>
+          </a:lnRef>
+          <a:fillRef idx="0">
+            <a:schemeClr val="accent1"/>
+          </a:fillRef>
+          <a:effectRef idx="0">
+            <a:schemeClr val="accent1"/>
+          </a:effectRef>
+          <a:fontRef idx="minor">
+            <a:schemeClr val="tx1"/>
+          </a:fontRef>
+        </p:style>
+      </p:cxnSp>
+      <p:cxnSp>
+        <p:nvCxnSpPr>
+          <p:cNvPr id="9" name="Straight Arrow Connector 8">
+            <a:extLst>
+              <a:ext uri="{FF2B5EF4-FFF2-40B4-BE49-F238E27FC236}">
+                <a16:creationId xmlns:a16="http://schemas.microsoft.com/office/drawing/2014/main" id="{E68666E4-53CF-45C0-8FD7-4022E615F227}"/>
+              </a:ext>
+            </a:extLst>
+          </p:cNvPr>
+          <p:cNvCxnSpPr>
+            <a:cxnSpLocks/>
+          </p:cNvCxnSpPr>
+          <p:nvPr/>
+        </p:nvCxnSpPr>
+        <p:spPr>
+          <a:xfrm flipV="1">
+            <a:off x="7107916" y="2565400"/>
+            <a:ext cx="924946" cy="711200"/>
+          </a:xfrm>
+          <a:prstGeom prst="straightConnector1">
+            <a:avLst/>
+          </a:prstGeom>
+          <a:ln w="19050">
+            <a:solidFill>
+              <a:schemeClr val="tx1"/>
+            </a:solidFill>
+            <a:tailEnd type="triangle"/>
+          </a:ln>
+        </p:spPr>
+        <p:style>
+          <a:lnRef idx="1">
+            <a:schemeClr val="accent1"/>
+          </a:lnRef>
+          <a:fillRef idx="0">
+            <a:schemeClr val="accent1"/>
+          </a:fillRef>
+          <a:effectRef idx="0">
+            <a:schemeClr val="accent1"/>
+          </a:effectRef>
+          <a:fontRef idx="minor">
+            <a:schemeClr val="tx1"/>
+          </a:fontRef>
+        </p:style>
+      </p:cxnSp>
     </p:spTree>
     <p:extLst>
       <p:ext uri="{BB962C8B-B14F-4D97-AF65-F5344CB8AC3E}">
-        <p14:creationId xmlns:p14="http://schemas.microsoft.com/office/powerpoint/2010/main" val="3316775526"/>
+        <p14:creationId xmlns:p14="http://schemas.microsoft.com/office/powerpoint/2010/main" val="3386907375"/>
       </p:ext>
     </p:extLst>
   </p:cSld>
@@ -5944,7 +6317,7 @@
           <p:cNvPr id="3" name="Picture 2">
             <a:extLst>
               <a:ext uri="{FF2B5EF4-FFF2-40B4-BE49-F238E27FC236}">
-                <a16:creationId xmlns:a16="http://schemas.microsoft.com/office/drawing/2014/main" id="{EEAEE536-C16D-47FF-AF93-A51EF61A59E8}"/>
+                <a16:creationId xmlns:a16="http://schemas.microsoft.com/office/drawing/2014/main" id="{857CF5EF-E4BA-4188-9D5B-E8C73C81A7BC}"/>
               </a:ext>
             </a:extLst>
           </p:cNvPr>
@@ -5955,13 +6328,13 @@
         </p:nvPicPr>
         <p:blipFill rotWithShape="1">
           <a:blip r:embed="rId2"/>
-          <a:srcRect l="23778" t="11111" r="24222" b="5185"/>
+          <a:srcRect l="24497" t="10741" r="24869" b="5000"/>
           <a:stretch/>
         </p:blipFill>
         <p:spPr>
           <a:xfrm>
-            <a:off x="5667459" y="9697"/>
-            <a:ext cx="5318041" cy="6848303"/>
+            <a:off x="5634474" y="0"/>
+            <a:ext cx="5135126" cy="6872007"/>
           </a:xfrm>
           <a:prstGeom prst="rect">
             <a:avLst/>
@@ -5973,7 +6346,7 @@
           <p:cNvPr id="4" name="TextBox 3">
             <a:extLst>
               <a:ext uri="{FF2B5EF4-FFF2-40B4-BE49-F238E27FC236}">
-                <a16:creationId xmlns:a16="http://schemas.microsoft.com/office/drawing/2014/main" id="{BC4B48D3-2862-4D0B-9798-EBEC60EAC234}"/>
+                <a16:creationId xmlns:a16="http://schemas.microsoft.com/office/drawing/2014/main" id="{7CF1835F-F8A2-4642-BBA1-5E4B9891861C}"/>
               </a:ext>
             </a:extLst>
           </p:cNvPr>
@@ -5982,7 +6355,7 @@
         </p:nvSpPr>
         <p:spPr>
           <a:xfrm>
-            <a:off x="2006600" y="2755900"/>
+            <a:off x="1651000" y="2400300"/>
             <a:ext cx="2475678" cy="830997"/>
           </a:xfrm>
           <a:prstGeom prst="rect">
@@ -5998,7 +6371,7 @@
           <a:p>
             <a:r>
               <a:rPr lang="en-US" sz="2400" dirty="0"/>
-              <a:t>Carrier = 3000 Hz</a:t>
+              <a:t>Carrier = 300 Hz</a:t>
             </a:r>
           </a:p>
           <a:p>
@@ -6012,7 +6385,7 @@
     </p:spTree>
     <p:extLst>
       <p:ext uri="{BB962C8B-B14F-4D97-AF65-F5344CB8AC3E}">
-        <p14:creationId xmlns:p14="http://schemas.microsoft.com/office/powerpoint/2010/main" val="970632705"/>
+        <p14:creationId xmlns:p14="http://schemas.microsoft.com/office/powerpoint/2010/main" val="3316775526"/>
       </p:ext>
     </p:extLst>
   </p:cSld>
@@ -6044,7 +6417,7 @@
           <p:cNvPr id="3" name="Picture 2">
             <a:extLst>
               <a:ext uri="{FF2B5EF4-FFF2-40B4-BE49-F238E27FC236}">
-                <a16:creationId xmlns:a16="http://schemas.microsoft.com/office/drawing/2014/main" id="{B6CACD2F-E2C3-4A02-AB41-2B7AA9186120}"/>
+                <a16:creationId xmlns:a16="http://schemas.microsoft.com/office/drawing/2014/main" id="{EEAEE536-C16D-47FF-AF93-A51EF61A59E8}"/>
               </a:ext>
             </a:extLst>
           </p:cNvPr>
@@ -6055,13 +6428,13 @@
         </p:nvPicPr>
         <p:blipFill rotWithShape="1">
           <a:blip r:embed="rId2"/>
-          <a:srcRect l="23926" t="11111" r="24371" b="6111"/>
+          <a:srcRect l="23778" t="11111" r="24222" b="5185"/>
           <a:stretch/>
         </p:blipFill>
         <p:spPr>
           <a:xfrm>
-            <a:off x="5568708" y="0"/>
-            <a:ext cx="5302492" cy="6791443"/>
+            <a:off x="5667459" y="9697"/>
+            <a:ext cx="5318041" cy="6848303"/>
           </a:xfrm>
           <a:prstGeom prst="rect">
             <a:avLst/>
@@ -6073,7 +6446,7 @@
           <p:cNvPr id="4" name="TextBox 3">
             <a:extLst>
               <a:ext uri="{FF2B5EF4-FFF2-40B4-BE49-F238E27FC236}">
-                <a16:creationId xmlns:a16="http://schemas.microsoft.com/office/drawing/2014/main" id="{019E80B3-E023-4FD2-8714-F09FDEB3FF56}"/>
+                <a16:creationId xmlns:a16="http://schemas.microsoft.com/office/drawing/2014/main" id="{BC4B48D3-2862-4D0B-9798-EBEC60EAC234}"/>
               </a:ext>
             </a:extLst>
           </p:cNvPr>
@@ -6082,7 +6455,7 @@
         </p:nvSpPr>
         <p:spPr>
           <a:xfrm>
-            <a:off x="1701800" y="2705100"/>
+            <a:off x="2006600" y="2755900"/>
             <a:ext cx="2475678" cy="830997"/>
           </a:xfrm>
           <a:prstGeom prst="rect">
@@ -6098,7 +6471,7 @@
           <a:p>
             <a:r>
               <a:rPr lang="en-US" sz="2400" dirty="0"/>
-              <a:t>Carrier = 1200 Hz</a:t>
+              <a:t>Carrier = 3000 Hz</a:t>
             </a:r>
           </a:p>
           <a:p>
@@ -6112,7 +6485,7 @@
     </p:spTree>
     <p:extLst>
       <p:ext uri="{BB962C8B-B14F-4D97-AF65-F5344CB8AC3E}">
-        <p14:creationId xmlns:p14="http://schemas.microsoft.com/office/powerpoint/2010/main" val="2080897725"/>
+        <p14:creationId xmlns:p14="http://schemas.microsoft.com/office/powerpoint/2010/main" val="970632705"/>
       </p:ext>
     </p:extLst>
   </p:cSld>
@@ -6144,7 +6517,7 @@
           <p:cNvPr id="3" name="Picture 2">
             <a:extLst>
               <a:ext uri="{FF2B5EF4-FFF2-40B4-BE49-F238E27FC236}">
-                <a16:creationId xmlns:a16="http://schemas.microsoft.com/office/drawing/2014/main" id="{A874E988-FBE9-46AE-83B3-D9CCC1C9768B}"/>
+                <a16:creationId xmlns:a16="http://schemas.microsoft.com/office/drawing/2014/main" id="{B6CACD2F-E2C3-4A02-AB41-2B7AA9186120}"/>
               </a:ext>
             </a:extLst>
           </p:cNvPr>
@@ -6155,13 +6528,13 @@
         </p:nvPicPr>
         <p:blipFill rotWithShape="1">
           <a:blip r:embed="rId2"/>
-          <a:srcRect l="24074" t="11480" r="24223" b="6112"/>
+          <a:srcRect l="23926" t="11111" r="24371" b="6111"/>
           <a:stretch/>
         </p:blipFill>
         <p:spPr>
           <a:xfrm>
-            <a:off x="5506834" y="57605"/>
-            <a:ext cx="5288166" cy="6742790"/>
+            <a:off x="5568708" y="0"/>
+            <a:ext cx="5302492" cy="6791443"/>
           </a:xfrm>
           <a:prstGeom prst="rect">
             <a:avLst/>
@@ -6173,7 +6546,7 @@
           <p:cNvPr id="4" name="TextBox 3">
             <a:extLst>
               <a:ext uri="{FF2B5EF4-FFF2-40B4-BE49-F238E27FC236}">
-                <a16:creationId xmlns:a16="http://schemas.microsoft.com/office/drawing/2014/main" id="{E904F468-9E68-4FC2-891F-C0826472B20D}"/>
+                <a16:creationId xmlns:a16="http://schemas.microsoft.com/office/drawing/2014/main" id="{019E80B3-E023-4FD2-8714-F09FDEB3FF56}"/>
               </a:ext>
             </a:extLst>
           </p:cNvPr>
@@ -6182,8 +6555,8 @@
         </p:nvSpPr>
         <p:spPr>
           <a:xfrm>
-            <a:off x="1879600" y="2717800"/>
-            <a:ext cx="2631170" cy="830997"/>
+            <a:off x="1701800" y="2705100"/>
+            <a:ext cx="2475678" cy="830997"/>
           </a:xfrm>
           <a:prstGeom prst="rect">
             <a:avLst/>
@@ -6204,7 +6577,7 @@
           <a:p>
             <a:r>
               <a:rPr lang="en-US" sz="2400" dirty="0"/>
-              <a:t>Modulation = 10 Hz</a:t>
+              <a:t>Modulation = 2 Hz</a:t>
             </a:r>
           </a:p>
         </p:txBody>
@@ -6212,7 +6585,7 @@
     </p:spTree>
     <p:extLst>
       <p:ext uri="{BB962C8B-B14F-4D97-AF65-F5344CB8AC3E}">
-        <p14:creationId xmlns:p14="http://schemas.microsoft.com/office/powerpoint/2010/main" val="2382241339"/>
+        <p14:creationId xmlns:p14="http://schemas.microsoft.com/office/powerpoint/2010/main" val="2080897725"/>
       </p:ext>
     </p:extLst>
   </p:cSld>
@@ -6244,7 +6617,7 @@
           <p:cNvPr id="3" name="Picture 2">
             <a:extLst>
               <a:ext uri="{FF2B5EF4-FFF2-40B4-BE49-F238E27FC236}">
-                <a16:creationId xmlns:a16="http://schemas.microsoft.com/office/drawing/2014/main" id="{CEB19A09-FD45-439D-B8C2-5FCF87103E5E}"/>
+                <a16:creationId xmlns:a16="http://schemas.microsoft.com/office/drawing/2014/main" id="{A874E988-FBE9-46AE-83B3-D9CCC1C9768B}"/>
               </a:ext>
             </a:extLst>
           </p:cNvPr>
@@ -6255,13 +6628,13 @@
         </p:nvPicPr>
         <p:blipFill rotWithShape="1">
           <a:blip r:embed="rId2"/>
-          <a:srcRect l="23926" t="11481" r="24074" b="5371"/>
+          <a:srcRect l="24074" t="11480" r="24223" b="6112"/>
           <a:stretch/>
         </p:blipFill>
         <p:spPr>
           <a:xfrm>
-            <a:off x="5306083" y="72618"/>
-            <a:ext cx="5247617" cy="6712764"/>
+            <a:off x="5506834" y="57605"/>
+            <a:ext cx="5288166" cy="6742790"/>
           </a:xfrm>
           <a:prstGeom prst="rect">
             <a:avLst/>
@@ -6273,7 +6646,7 @@
           <p:cNvPr id="4" name="TextBox 3">
             <a:extLst>
               <a:ext uri="{FF2B5EF4-FFF2-40B4-BE49-F238E27FC236}">
-                <a16:creationId xmlns:a16="http://schemas.microsoft.com/office/drawing/2014/main" id="{C483917F-0AEF-45C4-8F28-568F55209DD5}"/>
+                <a16:creationId xmlns:a16="http://schemas.microsoft.com/office/drawing/2014/main" id="{E904F468-9E68-4FC2-891F-C0826472B20D}"/>
               </a:ext>
             </a:extLst>
           </p:cNvPr>
@@ -6282,7 +6655,7 @@
         </p:nvSpPr>
         <p:spPr>
           <a:xfrm>
-            <a:off x="1562100" y="2598003"/>
+            <a:off x="1879600" y="2717800"/>
             <a:ext cx="2631170" cy="830997"/>
           </a:xfrm>
           <a:prstGeom prst="rect">
@@ -6304,7 +6677,7 @@
           <a:p>
             <a:r>
               <a:rPr lang="en-US" sz="2400" dirty="0"/>
-              <a:t>Modulation = 20 Hz</a:t>
+              <a:t>Modulation = 10 Hz</a:t>
             </a:r>
           </a:p>
         </p:txBody>
@@ -6312,7 +6685,7 @@
     </p:spTree>
     <p:extLst>
       <p:ext uri="{BB962C8B-B14F-4D97-AF65-F5344CB8AC3E}">
-        <p14:creationId xmlns:p14="http://schemas.microsoft.com/office/powerpoint/2010/main" val="3311297475"/>
+        <p14:creationId xmlns:p14="http://schemas.microsoft.com/office/powerpoint/2010/main" val="2382241339"/>
       </p:ext>
     </p:extLst>
   </p:cSld>
@@ -6344,7 +6717,7 @@
           <p:cNvPr id="3" name="Picture 2">
             <a:extLst>
               <a:ext uri="{FF2B5EF4-FFF2-40B4-BE49-F238E27FC236}">
-                <a16:creationId xmlns:a16="http://schemas.microsoft.com/office/drawing/2014/main" id="{3725CCF0-C572-4A6C-A484-9E64374F36C9}"/>
+                <a16:creationId xmlns:a16="http://schemas.microsoft.com/office/drawing/2014/main" id="{CEB19A09-FD45-439D-B8C2-5FCF87103E5E}"/>
               </a:ext>
             </a:extLst>
           </p:cNvPr>
@@ -6354,64 +6727,26 @@
           <p:nvPr/>
         </p:nvPicPr>
         <p:blipFill rotWithShape="1">
-          <a:blip r:embed="rId4"/>
-          <a:srcRect l="24074" t="11667" r="24074" b="5741"/>
+          <a:blip r:embed="rId2"/>
+          <a:srcRect l="23926" t="11481" r="24074" b="5371"/>
           <a:stretch/>
         </p:blipFill>
         <p:spPr>
           <a:xfrm>
-            <a:off x="5513907" y="96556"/>
-            <a:ext cx="5230293" cy="6664887"/>
+            <a:off x="5306083" y="72618"/>
+            <a:ext cx="5247617" cy="6712764"/>
           </a:xfrm>
           <a:prstGeom prst="rect">
             <a:avLst/>
           </a:prstGeom>
         </p:spPr>
       </p:pic>
-      <p:pic>
-        <p:nvPicPr>
-          <p:cNvPr id="4" name="Welcome">
-            <a:hlinkClick r:id="" action="ppaction://media"/>
-            <a:extLst>
-              <a:ext uri="{FF2B5EF4-FFF2-40B4-BE49-F238E27FC236}">
-                <a16:creationId xmlns:a16="http://schemas.microsoft.com/office/drawing/2014/main" id="{BC552389-F410-4D89-87C3-4A87091BDA58}"/>
-              </a:ext>
-            </a:extLst>
-          </p:cNvPr>
-          <p:cNvPicPr>
-            <a:picLocks noChangeAspect="1"/>
-          </p:cNvPicPr>
-          <p:nvPr>
-            <a:audioFile r:link="rId2"/>
-            <p:extLst>
-              <p:ext uri="{DAA4B4D4-6D71-4841-9C94-3DE7FCFB9230}">
-                <p14:media xmlns:p14="http://schemas.microsoft.com/office/powerpoint/2010/main" r:embed="rId1"/>
-              </p:ext>
-            </p:extLst>
-          </p:nvPr>
-        </p:nvPicPr>
-        <p:blipFill>
-          <a:blip r:embed="rId5"/>
-          <a:stretch>
-            <a:fillRect/>
-          </a:stretch>
-        </p:blipFill>
-        <p:spPr>
-          <a:xfrm>
-            <a:off x="1892300" y="3124199"/>
-            <a:ext cx="609600" cy="609600"/>
-          </a:xfrm>
-          <a:prstGeom prst="rect">
-            <a:avLst/>
-          </a:prstGeom>
-        </p:spPr>
-      </p:pic>
-      <p:sp>
-        <p:nvSpPr>
-          <p:cNvPr id="5" name="TextBox 4">
-            <a:extLst>
-              <a:ext uri="{FF2B5EF4-FFF2-40B4-BE49-F238E27FC236}">
-                <a16:creationId xmlns:a16="http://schemas.microsoft.com/office/drawing/2014/main" id="{25FBE8D3-D3D0-40F4-BAA4-6450EEFEF2CD}"/>
+      <p:sp>
+        <p:nvSpPr>
+          <p:cNvPr id="4" name="TextBox 3">
+            <a:extLst>
+              <a:ext uri="{FF2B5EF4-FFF2-40B4-BE49-F238E27FC236}">
+                <a16:creationId xmlns:a16="http://schemas.microsoft.com/office/drawing/2014/main" id="{C483917F-0AEF-45C4-8F28-568F55209DD5}"/>
               </a:ext>
             </a:extLst>
           </p:cNvPr>
@@ -6420,8 +6755,8 @@
         </p:nvSpPr>
         <p:spPr>
           <a:xfrm>
-            <a:off x="1234624" y="2489200"/>
-            <a:ext cx="1924951" cy="461665"/>
+            <a:off x="1562100" y="2598003"/>
+            <a:ext cx="2631170" cy="830997"/>
           </a:xfrm>
           <a:prstGeom prst="rect">
             <a:avLst/>
@@ -6436,7 +6771,13 @@
           <a:p>
             <a:r>
               <a:rPr lang="en-US" sz="2400" dirty="0"/>
-              <a:t>Welcome.wav</a:t>
+              <a:t>Carrier = 1200 Hz</a:t>
+            </a:r>
+          </a:p>
+          <a:p>
+            <a:r>
+              <a:rPr lang="en-US" sz="2400" dirty="0"/>
+              <a:t>Modulation = 20 Hz</a:t>
             </a:r>
           </a:p>
         </p:txBody>
@@ -6444,97 +6785,13 @@
     </p:spTree>
     <p:extLst>
       <p:ext uri="{BB962C8B-B14F-4D97-AF65-F5344CB8AC3E}">
-        <p14:creationId xmlns:p14="http://schemas.microsoft.com/office/powerpoint/2010/main" val="2760658580"/>
+        <p14:creationId xmlns:p14="http://schemas.microsoft.com/office/powerpoint/2010/main" val="3311297475"/>
       </p:ext>
     </p:extLst>
   </p:cSld>
   <p:clrMapOvr>
     <a:masterClrMapping/>
   </p:clrMapOvr>
-  <p:timing>
-    <p:tnLst>
-      <p:par>
-        <p:cTn id="1" dur="indefinite" restart="never" nodeType="tmRoot">
-          <p:childTnLst>
-            <p:seq concurrent="1" nextAc="seek">
-              <p:cTn id="2" dur="indefinite" nodeType="mainSeq">
-                <p:childTnLst>
-                  <p:par>
-                    <p:cTn id="3" fill="hold">
-                      <p:stCondLst>
-                        <p:cond delay="indefinite"/>
-                      </p:stCondLst>
-                      <p:childTnLst>
-                        <p:par>
-                          <p:cTn id="4" fill="hold">
-                            <p:stCondLst>
-                              <p:cond delay="0"/>
-                            </p:stCondLst>
-                            <p:childTnLst>
-                              <p:par>
-                                <p:cTn id="5" presetID="1" presetClass="mediacall" presetSubtype="0" fill="hold" nodeType="clickEffect">
-                                  <p:stCondLst>
-                                    <p:cond delay="0"/>
-                                  </p:stCondLst>
-                                  <p:childTnLst>
-                                    <p:cmd type="call" cmd="playFrom(0.0)">
-                                      <p:cBhvr>
-                                        <p:cTn id="6" dur="5952" fill="hold"/>
-                                        <p:tgtEl>
-                                          <p:spTgt spid="4"/>
-                                        </p:tgtEl>
-                                      </p:cBhvr>
-                                    </p:cmd>
-                                  </p:childTnLst>
-                                </p:cTn>
-                              </p:par>
-                            </p:childTnLst>
-                          </p:cTn>
-                        </p:par>
-                      </p:childTnLst>
-                    </p:cTn>
-                  </p:par>
-                </p:childTnLst>
-              </p:cTn>
-              <p:prevCondLst>
-                <p:cond evt="onPrev" delay="0">
-                  <p:tgtEl>
-                    <p:sldTgt/>
-                  </p:tgtEl>
-                </p:cond>
-              </p:prevCondLst>
-              <p:nextCondLst>
-                <p:cond evt="onNext" delay="0">
-                  <p:tgtEl>
-                    <p:sldTgt/>
-                  </p:tgtEl>
-                </p:cond>
-              </p:nextCondLst>
-            </p:seq>
-            <p:audio>
-              <p:cMediaNode vol="80000">
-                <p:cTn id="7" fill="hold" display="0">
-                  <p:stCondLst>
-                    <p:cond delay="indefinite"/>
-                  </p:stCondLst>
-                  <p:endCondLst>
-                    <p:cond evt="onStopAudio" delay="0">
-                      <p:tgtEl>
-                        <p:sldTgt/>
-                      </p:tgtEl>
-                    </p:cond>
-                  </p:endCondLst>
-                </p:cTn>
-                <p:tgtEl>
-                  <p:spTgt spid="4"/>
-                </p:tgtEl>
-              </p:cMediaNode>
-            </p:audio>
-          </p:childTnLst>
-        </p:cTn>
-      </p:par>
-    </p:tnLst>
-  </p:timing>
 </p:sld>
 </file>
 

--- a/Documents/Analog_Processor_V2_Analysis.pptx
+++ b/Documents/Analog_Processor_V2_Analysis.pptx
@@ -273,7 +273,7 @@
           <a:p>
             <a:fld id="{FDDDEECC-2DDF-42F4-B5D5-9AAA6681A4E6}" type="datetimeFigureOut">
               <a:rPr lang="en-US" smtClean="0"/>
-              <a:t>12/30/2020</a:t>
+              <a:t>3/13/2021</a:t>
             </a:fld>
             <a:endParaRPr lang="en-US"/>
           </a:p>
@@ -471,7 +471,7 @@
           <a:p>
             <a:fld id="{FDDDEECC-2DDF-42F4-B5D5-9AAA6681A4E6}" type="datetimeFigureOut">
               <a:rPr lang="en-US" smtClean="0"/>
-              <a:t>12/30/2020</a:t>
+              <a:t>3/13/2021</a:t>
             </a:fld>
             <a:endParaRPr lang="en-US"/>
           </a:p>
@@ -679,7 +679,7 @@
           <a:p>
             <a:fld id="{FDDDEECC-2DDF-42F4-B5D5-9AAA6681A4E6}" type="datetimeFigureOut">
               <a:rPr lang="en-US" smtClean="0"/>
-              <a:t>12/30/2020</a:t>
+              <a:t>3/13/2021</a:t>
             </a:fld>
             <a:endParaRPr lang="en-US"/>
           </a:p>
@@ -877,7 +877,7 @@
           <a:p>
             <a:fld id="{FDDDEECC-2DDF-42F4-B5D5-9AAA6681A4E6}" type="datetimeFigureOut">
               <a:rPr lang="en-US" smtClean="0"/>
-              <a:t>12/30/2020</a:t>
+              <a:t>3/13/2021</a:t>
             </a:fld>
             <a:endParaRPr lang="en-US"/>
           </a:p>
@@ -1152,7 +1152,7 @@
           <a:p>
             <a:fld id="{FDDDEECC-2DDF-42F4-B5D5-9AAA6681A4E6}" type="datetimeFigureOut">
               <a:rPr lang="en-US" smtClean="0"/>
-              <a:t>12/30/2020</a:t>
+              <a:t>3/13/2021</a:t>
             </a:fld>
             <a:endParaRPr lang="en-US"/>
           </a:p>
@@ -1417,7 +1417,7 @@
           <a:p>
             <a:fld id="{FDDDEECC-2DDF-42F4-B5D5-9AAA6681A4E6}" type="datetimeFigureOut">
               <a:rPr lang="en-US" smtClean="0"/>
-              <a:t>12/30/2020</a:t>
+              <a:t>3/13/2021</a:t>
             </a:fld>
             <a:endParaRPr lang="en-US"/>
           </a:p>
@@ -1829,7 +1829,7 @@
           <a:p>
             <a:fld id="{FDDDEECC-2DDF-42F4-B5D5-9AAA6681A4E6}" type="datetimeFigureOut">
               <a:rPr lang="en-US" smtClean="0"/>
-              <a:t>12/30/2020</a:t>
+              <a:t>3/13/2021</a:t>
             </a:fld>
             <a:endParaRPr lang="en-US"/>
           </a:p>
@@ -1970,7 +1970,7 @@
           <a:p>
             <a:fld id="{FDDDEECC-2DDF-42F4-B5D5-9AAA6681A4E6}" type="datetimeFigureOut">
               <a:rPr lang="en-US" smtClean="0"/>
-              <a:t>12/30/2020</a:t>
+              <a:t>3/13/2021</a:t>
             </a:fld>
             <a:endParaRPr lang="en-US"/>
           </a:p>
@@ -2083,7 +2083,7 @@
           <a:p>
             <a:fld id="{FDDDEECC-2DDF-42F4-B5D5-9AAA6681A4E6}" type="datetimeFigureOut">
               <a:rPr lang="en-US" smtClean="0"/>
-              <a:t>12/30/2020</a:t>
+              <a:t>3/13/2021</a:t>
             </a:fld>
             <a:endParaRPr lang="en-US"/>
           </a:p>
@@ -2394,7 +2394,7 @@
           <a:p>
             <a:fld id="{FDDDEECC-2DDF-42F4-B5D5-9AAA6681A4E6}" type="datetimeFigureOut">
               <a:rPr lang="en-US" smtClean="0"/>
-              <a:t>12/30/2020</a:t>
+              <a:t>3/13/2021</a:t>
             </a:fld>
             <a:endParaRPr lang="en-US"/>
           </a:p>
@@ -2682,7 +2682,7 @@
           <a:p>
             <a:fld id="{FDDDEECC-2DDF-42F4-B5D5-9AAA6681A4E6}" type="datetimeFigureOut">
               <a:rPr lang="en-US" smtClean="0"/>
-              <a:t>12/30/2020</a:t>
+              <a:t>3/13/2021</a:t>
             </a:fld>
             <a:endParaRPr lang="en-US"/>
           </a:p>
@@ -2923,7 +2923,7 @@
           <a:p>
             <a:fld id="{FDDDEECC-2DDF-42F4-B5D5-9AAA6681A4E6}" type="datetimeFigureOut">
               <a:rPr lang="en-US" smtClean="0"/>
-              <a:t>12/30/2020</a:t>
+              <a:t>3/13/2021</a:t>
             </a:fld>
             <a:endParaRPr lang="en-US"/>
           </a:p>
@@ -5614,7 +5614,7 @@
         <p:spPr>
           <a:xfrm>
             <a:off x="327642" y="4645452"/>
-            <a:ext cx="3114058" cy="1477328"/>
+            <a:ext cx="2880019" cy="1477328"/>
           </a:xfrm>
           <a:prstGeom prst="rect">
             <a:avLst/>
@@ -5643,7 +5643,7 @@
             </a:pPr>
             <a:r>
               <a:rPr lang="en-US" dirty="0"/>
-              <a:t>Audio filter (~300Hz – 3KHz)</a:t>
+              <a:t>Audio filter (~3Hz – 3KHz)</a:t>
             </a:r>
           </a:p>
           <a:p>
@@ -5727,7 +5727,7 @@
             </a:pPr>
             <a:r>
               <a:rPr lang="en-US" dirty="0"/>
-              <a:t>Envelope filter (~0Hz – 30Hz)</a:t>
+              <a:t>Envelope filter (~0Hz – 40Hz)</a:t>
             </a:r>
           </a:p>
           <a:p>
